--- a/model/素材/2.3.1_マップ情報.pptx
+++ b/model/素材/2.3.1_マップ情報.pptx
@@ -259,7 +259,7 @@
           <a:p>
             <a:fld id="{51E7F2AC-F81A-400C-8051-E3A918425226}" type="datetimeFigureOut">
               <a:rPr kumimoji="1" lang="ja-JP" altLang="en-US" smtClean="0"/>
-              <a:t>2025/8/7</a:t>
+              <a:t>2025/8/11</a:t>
             </a:fld>
             <a:endParaRPr kumimoji="1" lang="ja-JP" altLang="en-US"/>
           </a:p>
@@ -489,7 +489,7 @@
           <a:p>
             <a:fld id="{51E7F2AC-F81A-400C-8051-E3A918425226}" type="datetimeFigureOut">
               <a:rPr kumimoji="1" lang="ja-JP" altLang="en-US" smtClean="0"/>
-              <a:t>2025/8/7</a:t>
+              <a:t>2025/8/11</a:t>
             </a:fld>
             <a:endParaRPr kumimoji="1" lang="ja-JP" altLang="en-US"/>
           </a:p>
@@ -729,7 +729,7 @@
           <a:p>
             <a:fld id="{51E7F2AC-F81A-400C-8051-E3A918425226}" type="datetimeFigureOut">
               <a:rPr kumimoji="1" lang="ja-JP" altLang="en-US" smtClean="0"/>
-              <a:t>2025/8/7</a:t>
+              <a:t>2025/8/11</a:t>
             </a:fld>
             <a:endParaRPr kumimoji="1" lang="ja-JP" altLang="en-US"/>
           </a:p>
@@ -959,7 +959,7 @@
           <a:p>
             <a:fld id="{51E7F2AC-F81A-400C-8051-E3A918425226}" type="datetimeFigureOut">
               <a:rPr kumimoji="1" lang="ja-JP" altLang="en-US" smtClean="0"/>
-              <a:t>2025/8/7</a:t>
+              <a:t>2025/8/11</a:t>
             </a:fld>
             <a:endParaRPr kumimoji="1" lang="ja-JP" altLang="en-US"/>
           </a:p>
@@ -1234,7 +1234,7 @@
           <a:p>
             <a:fld id="{51E7F2AC-F81A-400C-8051-E3A918425226}" type="datetimeFigureOut">
               <a:rPr kumimoji="1" lang="ja-JP" altLang="en-US" smtClean="0"/>
-              <a:t>2025/8/7</a:t>
+              <a:t>2025/8/11</a:t>
             </a:fld>
             <a:endParaRPr kumimoji="1" lang="ja-JP" altLang="en-US"/>
           </a:p>
@@ -1563,7 +1563,7 @@
           <a:p>
             <a:fld id="{51E7F2AC-F81A-400C-8051-E3A918425226}" type="datetimeFigureOut">
               <a:rPr kumimoji="1" lang="ja-JP" altLang="en-US" smtClean="0"/>
-              <a:t>2025/8/7</a:t>
+              <a:t>2025/8/11</a:t>
             </a:fld>
             <a:endParaRPr kumimoji="1" lang="ja-JP" altLang="en-US"/>
           </a:p>
@@ -2039,7 +2039,7 @@
           <a:p>
             <a:fld id="{51E7F2AC-F81A-400C-8051-E3A918425226}" type="datetimeFigureOut">
               <a:rPr kumimoji="1" lang="ja-JP" altLang="en-US" smtClean="0"/>
-              <a:t>2025/8/7</a:t>
+              <a:t>2025/8/11</a:t>
             </a:fld>
             <a:endParaRPr kumimoji="1" lang="ja-JP" altLang="en-US"/>
           </a:p>
@@ -2180,7 +2180,7 @@
           <a:p>
             <a:fld id="{51E7F2AC-F81A-400C-8051-E3A918425226}" type="datetimeFigureOut">
               <a:rPr kumimoji="1" lang="ja-JP" altLang="en-US" smtClean="0"/>
-              <a:t>2025/8/7</a:t>
+              <a:t>2025/8/11</a:t>
             </a:fld>
             <a:endParaRPr kumimoji="1" lang="ja-JP" altLang="en-US"/>
           </a:p>
@@ -2293,7 +2293,7 @@
           <a:p>
             <a:fld id="{51E7F2AC-F81A-400C-8051-E3A918425226}" type="datetimeFigureOut">
               <a:rPr kumimoji="1" lang="ja-JP" altLang="en-US" smtClean="0"/>
-              <a:t>2025/8/7</a:t>
+              <a:t>2025/8/11</a:t>
             </a:fld>
             <a:endParaRPr kumimoji="1" lang="ja-JP" altLang="en-US"/>
           </a:p>
@@ -2636,7 +2636,7 @@
           <a:p>
             <a:fld id="{51E7F2AC-F81A-400C-8051-E3A918425226}" type="datetimeFigureOut">
               <a:rPr kumimoji="1" lang="ja-JP" altLang="en-US" smtClean="0"/>
-              <a:t>2025/8/7</a:t>
+              <a:t>2025/8/11</a:t>
             </a:fld>
             <a:endParaRPr kumimoji="1" lang="ja-JP" altLang="en-US"/>
           </a:p>
@@ -2924,7 +2924,7 @@
           <a:p>
             <a:fld id="{51E7F2AC-F81A-400C-8051-E3A918425226}" type="datetimeFigureOut">
               <a:rPr kumimoji="1" lang="ja-JP" altLang="en-US" smtClean="0"/>
-              <a:t>2025/8/7</a:t>
+              <a:t>2025/8/11</a:t>
             </a:fld>
             <a:endParaRPr kumimoji="1" lang="ja-JP" altLang="en-US"/>
           </a:p>
@@ -3197,7 +3197,7 @@
           <a:p>
             <a:fld id="{51E7F2AC-F81A-400C-8051-E3A918425226}" type="datetimeFigureOut">
               <a:rPr kumimoji="1" lang="ja-JP" altLang="en-US" smtClean="0"/>
-              <a:t>2025/8/7</a:t>
+              <a:t>2025/8/11</a:t>
             </a:fld>
             <a:endParaRPr kumimoji="1" lang="ja-JP" altLang="en-US"/>
           </a:p>
@@ -3629,14 +3629,14 @@
           <p:nvPr>
             <p:extLst>
               <p:ext uri="{D42A27DB-BD31-4B8C-83A1-F6EECF244321}">
-                <p14:modId xmlns:p14="http://schemas.microsoft.com/office/powerpoint/2010/main" val="2631625712"/>
+                <p14:modId xmlns:p14="http://schemas.microsoft.com/office/powerpoint/2010/main" val="2769998083"/>
               </p:ext>
             </p:extLst>
           </p:nvPr>
         </p:nvGraphicFramePr>
         <p:xfrm>
-          <a:off x="926408" y="323234"/>
-          <a:ext cx="3246582" cy="2123440"/>
+          <a:off x="593403" y="323232"/>
+          <a:ext cx="3246582" cy="2225040"/>
         </p:xfrm>
         <a:graphic>
           <a:graphicData uri="http://schemas.openxmlformats.org/drawingml/2006/table">
@@ -3695,7 +3695,14 @@
                     <a:p>
                       <a:r>
                         <a:rPr kumimoji="1" lang="ja-JP" altLang="en-US" dirty="0"/>
-                        <a:t>分岐合図</a:t>
+                        <a:t>分岐</a:t>
+                      </a:r>
+                      <a:endParaRPr kumimoji="1" lang="en-US" altLang="ja-JP" dirty="0"/>
+                    </a:p>
+                    <a:p>
+                      <a:r>
+                        <a:rPr kumimoji="1" lang="ja-JP" altLang="en-US" dirty="0"/>
+                        <a:t>合図</a:t>
                       </a:r>
                     </a:p>
                   </a:txBody>
@@ -3708,7 +3715,7 @@
                     <a:p>
                       <a:r>
                         <a:rPr kumimoji="1" lang="ja-JP" altLang="en-US" dirty="0"/>
-                        <a:t>進路</a:t>
+                        <a:t>進行方向</a:t>
                       </a:r>
                     </a:p>
                   </a:txBody>
@@ -3727,7 +3734,11 @@
                     <a:lstStyle/>
                     <a:p>
                       <a:r>
-                        <a:rPr kumimoji="1" lang="ja-JP" altLang="en-US" dirty="0"/>
+                        <a:rPr kumimoji="1" lang="ja-JP" altLang="en-US" sz="2000" b="0" dirty="0">
+                          <a:solidFill>
+                            <a:srgbClr val="FF0000"/>
+                          </a:solidFill>
+                        </a:rPr>
                         <a:t>①</a:t>
                       </a:r>
                     </a:p>
@@ -3740,7 +3751,11 @@
                     <a:lstStyle/>
                     <a:p>
                       <a:r>
-                        <a:rPr kumimoji="1" lang="ja-JP" altLang="en-US" dirty="0"/>
+                        <a:rPr kumimoji="1" lang="ja-JP" altLang="en-US" sz="2000" b="0" dirty="0">
+                          <a:solidFill>
+                            <a:srgbClr val="FF0000"/>
+                          </a:solidFill>
+                        </a:rPr>
                         <a:t>青ライン検知</a:t>
                       </a:r>
                     </a:p>
@@ -3753,7 +3768,11 @@
                     <a:lstStyle/>
                     <a:p>
                       <a:r>
-                        <a:rPr kumimoji="1" lang="ja-JP" altLang="en-US" dirty="0"/>
+                        <a:rPr kumimoji="1" lang="ja-JP" altLang="en-US" sz="2000" b="0" dirty="0">
+                          <a:solidFill>
+                            <a:srgbClr val="FF0000"/>
+                          </a:solidFill>
+                        </a:rPr>
                         <a:t>右</a:t>
                       </a:r>
                     </a:p>
@@ -3773,7 +3792,11 @@
                     <a:lstStyle/>
                     <a:p>
                       <a:r>
-                        <a:rPr kumimoji="1" lang="ja-JP" altLang="en-US" dirty="0"/>
+                        <a:rPr kumimoji="1" lang="ja-JP" altLang="en-US" sz="2000" b="0" dirty="0">
+                          <a:solidFill>
+                            <a:srgbClr val="7030A0"/>
+                          </a:solidFill>
+                        </a:rPr>
                         <a:t>②</a:t>
                       </a:r>
                     </a:p>
@@ -3786,7 +3809,11 @@
                     <a:lstStyle/>
                     <a:p>
                       <a:r>
-                        <a:rPr kumimoji="1" lang="ja-JP" altLang="en-US" dirty="0"/>
+                        <a:rPr kumimoji="1" lang="ja-JP" altLang="en-US" sz="2000" b="0" dirty="0">
+                          <a:solidFill>
+                            <a:srgbClr val="7030A0"/>
+                          </a:solidFill>
+                        </a:rPr>
                         <a:t>青ライン検知</a:t>
                       </a:r>
                     </a:p>
@@ -3799,7 +3826,11 @@
                     <a:lstStyle/>
                     <a:p>
                       <a:r>
-                        <a:rPr kumimoji="1" lang="ja-JP" altLang="en-US" dirty="0"/>
+                        <a:rPr kumimoji="1" lang="ja-JP" altLang="en-US" sz="2000" b="0" dirty="0">
+                          <a:solidFill>
+                            <a:srgbClr val="7030A0"/>
+                          </a:solidFill>
+                        </a:rPr>
                         <a:t>左</a:t>
                       </a:r>
                     </a:p>
@@ -3819,7 +3850,11 @@
                     <a:lstStyle/>
                     <a:p>
                       <a:r>
-                        <a:rPr kumimoji="1" lang="ja-JP" altLang="en-US" dirty="0"/>
+                        <a:rPr kumimoji="1" lang="ja-JP" altLang="en-US" sz="2000" b="0" dirty="0">
+                          <a:solidFill>
+                            <a:srgbClr val="00B050"/>
+                          </a:solidFill>
+                        </a:rPr>
                         <a:t>③</a:t>
                       </a:r>
                     </a:p>
@@ -3832,7 +3867,11 @@
                     <a:lstStyle/>
                     <a:p>
                       <a:r>
-                        <a:rPr kumimoji="1" lang="ja-JP" altLang="en-US" dirty="0"/>
+                        <a:rPr kumimoji="1" lang="ja-JP" altLang="en-US" sz="2000" b="0" dirty="0">
+                          <a:solidFill>
+                            <a:srgbClr val="00B050"/>
+                          </a:solidFill>
+                        </a:rPr>
                         <a:t>青ライン検知</a:t>
                       </a:r>
                     </a:p>
@@ -3845,7 +3884,11 @@
                     <a:lstStyle/>
                     <a:p>
                       <a:r>
-                        <a:rPr kumimoji="1" lang="ja-JP" altLang="en-US" dirty="0"/>
+                        <a:rPr kumimoji="1" lang="ja-JP" altLang="en-US" sz="2000" b="0" dirty="0">
+                          <a:solidFill>
+                            <a:srgbClr val="00B050"/>
+                          </a:solidFill>
+                        </a:rPr>
                         <a:t>右</a:t>
                       </a:r>
                     </a:p>
@@ -3865,7 +3908,11 @@
                     <a:lstStyle/>
                     <a:p>
                       <a:r>
-                        <a:rPr kumimoji="1" lang="ja-JP" altLang="en-US" dirty="0"/>
+                        <a:rPr kumimoji="1" lang="ja-JP" altLang="en-US" sz="2000" b="0" dirty="0">
+                          <a:solidFill>
+                            <a:srgbClr val="002060"/>
+                          </a:solidFill>
+                        </a:rPr>
                         <a:t>④</a:t>
                       </a:r>
                     </a:p>
@@ -3878,7 +3925,11 @@
                     <a:lstStyle/>
                     <a:p>
                       <a:r>
-                        <a:rPr kumimoji="1" lang="ja-JP" altLang="en-US" dirty="0"/>
+                        <a:rPr kumimoji="1" lang="ja-JP" altLang="en-US" sz="2000" b="0" dirty="0">
+                          <a:solidFill>
+                            <a:srgbClr val="002060"/>
+                          </a:solidFill>
+                        </a:rPr>
                         <a:t>青ライン検知</a:t>
                       </a:r>
                     </a:p>
@@ -3891,7 +3942,11 @@
                     <a:lstStyle/>
                     <a:p>
                       <a:r>
-                        <a:rPr kumimoji="1" lang="ja-JP" altLang="en-US" dirty="0"/>
+                        <a:rPr kumimoji="1" lang="ja-JP" altLang="en-US" sz="2000" b="0" dirty="0">
+                          <a:solidFill>
+                            <a:srgbClr val="002060"/>
+                          </a:solidFill>
+                        </a:rPr>
                         <a:t>左</a:t>
                       </a:r>
                     </a:p>
@@ -3930,7 +3985,7 @@
         </p:blipFill>
         <p:spPr>
           <a:xfrm>
-            <a:off x="4272742" y="323234"/>
+            <a:off x="5046380" y="256732"/>
             <a:ext cx="6611273" cy="6344535"/>
           </a:xfrm>
           <a:prstGeom prst="rect">
@@ -3952,8 +4007,8 @@
         </p:nvSpPr>
         <p:spPr>
           <a:xfrm>
-            <a:off x="4172990" y="3193747"/>
-            <a:ext cx="543739" cy="523220"/>
+            <a:off x="5990432" y="2229457"/>
+            <a:ext cx="1729961" cy="523220"/>
           </a:xfrm>
           <a:prstGeom prst="rect">
             <a:avLst/>
@@ -3972,7 +4027,23 @@
                   <a:srgbClr val="FF0000"/>
                 </a:solidFill>
               </a:rPr>
-              <a:t>①</a:t>
+              <a:t>分岐①</a:t>
+            </a:r>
+            <a:r>
+              <a:rPr kumimoji="1" lang="en-US" altLang="ja-JP" sz="2800" b="1" dirty="0">
+                <a:solidFill>
+                  <a:srgbClr val="FF0000"/>
+                </a:solidFill>
+              </a:rPr>
+              <a:t>:</a:t>
+            </a:r>
+            <a:r>
+              <a:rPr kumimoji="1" lang="ja-JP" altLang="en-US" sz="2800" b="1" dirty="0">
+                <a:solidFill>
+                  <a:srgbClr val="FF0000"/>
+                </a:solidFill>
+              </a:rPr>
+              <a:t>右</a:t>
             </a:r>
             <a:endParaRPr kumimoji="1" lang="ja-JP" altLang="en-US" b="1" dirty="0">
               <a:solidFill>
@@ -3996,8 +4067,8 @@
         </p:nvSpPr>
         <p:spPr>
           <a:xfrm>
-            <a:off x="7256632" y="3233891"/>
-            <a:ext cx="543739" cy="523220"/>
+            <a:off x="7507210" y="2938375"/>
+            <a:ext cx="1261884" cy="523220"/>
           </a:xfrm>
           <a:prstGeom prst="rect">
             <a:avLst/>
@@ -4013,14 +4084,14 @@
             <a:r>
               <a:rPr kumimoji="1" lang="ja-JP" altLang="en-US" sz="2800" b="1" dirty="0">
                 <a:solidFill>
-                  <a:srgbClr val="FF0000"/>
+                  <a:srgbClr val="7030A0"/>
                 </a:solidFill>
               </a:rPr>
-              <a:t>②</a:t>
+              <a:t>合図②</a:t>
             </a:r>
             <a:endParaRPr kumimoji="1" lang="ja-JP" altLang="en-US" b="1" dirty="0">
               <a:solidFill>
-                <a:srgbClr val="FF0000"/>
+                <a:srgbClr val="7030A0"/>
               </a:solidFill>
             </a:endParaRPr>
           </a:p>
@@ -4040,8 +4111,8 @@
         </p:nvSpPr>
         <p:spPr>
           <a:xfrm>
-            <a:off x="8411389" y="4311422"/>
-            <a:ext cx="543739" cy="523220"/>
+            <a:off x="9385222" y="4051276"/>
+            <a:ext cx="1261884" cy="523220"/>
           </a:xfrm>
           <a:prstGeom prst="rect">
             <a:avLst/>
@@ -4057,14 +4128,14 @@
             <a:r>
               <a:rPr lang="ja-JP" altLang="en-US" sz="2800" b="1" dirty="0">
                 <a:solidFill>
-                  <a:srgbClr val="FF0000"/>
+                  <a:srgbClr val="00B050"/>
                 </a:solidFill>
               </a:rPr>
-              <a:t>③</a:t>
+              <a:t>合図③</a:t>
             </a:r>
             <a:endParaRPr kumimoji="1" lang="ja-JP" altLang="en-US" b="1" dirty="0">
               <a:solidFill>
-                <a:srgbClr val="FF0000"/>
+                <a:srgbClr val="00B050"/>
               </a:solidFill>
             </a:endParaRPr>
           </a:p>
@@ -4084,8 +4155,8 @@
         </p:nvSpPr>
         <p:spPr>
           <a:xfrm>
-            <a:off x="5663741" y="2972281"/>
-            <a:ext cx="543739" cy="523220"/>
+            <a:off x="6488412" y="3167390"/>
+            <a:ext cx="1261884" cy="523220"/>
           </a:xfrm>
           <a:prstGeom prst="rect">
             <a:avLst/>
@@ -4101,14 +4172,14 @@
             <a:r>
               <a:rPr lang="ja-JP" altLang="en-US" sz="2800" b="1" dirty="0">
                 <a:solidFill>
-                  <a:srgbClr val="FF0000"/>
+                  <a:srgbClr val="002060"/>
                 </a:solidFill>
               </a:rPr>
-              <a:t>④</a:t>
+              <a:t>合図④</a:t>
             </a:r>
             <a:endParaRPr kumimoji="1" lang="ja-JP" altLang="en-US" b="1" dirty="0">
               <a:solidFill>
-                <a:srgbClr val="FF0000"/>
+                <a:srgbClr val="002060"/>
               </a:solidFill>
             </a:endParaRPr>
           </a:p>
@@ -4127,9 +4198,115 @@
           <p:nvPr/>
         </p:nvSpPr>
         <p:spPr>
-          <a:xfrm rot="12028906">
-            <a:off x="7792838" y="2985526"/>
-            <a:ext cx="307198" cy="1281306"/>
+          <a:xfrm rot="11616684">
+            <a:off x="8715233" y="2974896"/>
+            <a:ext cx="307198" cy="737549"/>
+          </a:xfrm>
+          <a:prstGeom prst="rightBrace">
+            <a:avLst/>
+          </a:prstGeom>
+          <a:ln w="38100">
+            <a:solidFill>
+              <a:srgbClr val="7030A0"/>
+            </a:solidFill>
+          </a:ln>
+        </p:spPr>
+        <p:style>
+          <a:lnRef idx="1">
+            <a:schemeClr val="accent1"/>
+          </a:lnRef>
+          <a:fillRef idx="0">
+            <a:schemeClr val="accent1"/>
+          </a:fillRef>
+          <a:effectRef idx="0">
+            <a:schemeClr val="accent1"/>
+          </a:effectRef>
+          <a:fontRef idx="minor">
+            <a:schemeClr val="tx1"/>
+          </a:fontRef>
+        </p:style>
+        <p:txBody>
+          <a:bodyPr rtlCol="0" anchor="ctr"/>
+          <a:lstStyle/>
+          <a:p>
+            <a:pPr algn="ctr"/>
+            <a:endParaRPr kumimoji="1" lang="ja-JP" altLang="en-US">
+              <a:solidFill>
+                <a:srgbClr val="7030A0"/>
+              </a:solidFill>
+            </a:endParaRPr>
+          </a:p>
+        </p:txBody>
+      </p:sp>
+      <p:sp>
+        <p:nvSpPr>
+          <p:cNvPr id="11" name="右中かっこ 10">
+            <a:extLst>
+              <a:ext uri="{FF2B5EF4-FFF2-40B4-BE49-F238E27FC236}">
+                <a16:creationId xmlns:a16="http://schemas.microsoft.com/office/drawing/2014/main" id="{AE27BF41-FC36-7DAA-839F-23F020A142E1}"/>
+              </a:ext>
+            </a:extLst>
+          </p:cNvPr>
+          <p:cNvSpPr/>
+          <p:nvPr/>
+        </p:nvSpPr>
+        <p:spPr>
+          <a:xfrm rot="19876978">
+            <a:off x="6149064" y="3219120"/>
+            <a:ext cx="415099" cy="780426"/>
+          </a:xfrm>
+          <a:prstGeom prst="rightBrace">
+            <a:avLst/>
+          </a:prstGeom>
+          <a:ln w="38100">
+            <a:solidFill>
+              <a:srgbClr val="002060"/>
+            </a:solidFill>
+          </a:ln>
+        </p:spPr>
+        <p:style>
+          <a:lnRef idx="1">
+            <a:schemeClr val="accent1"/>
+          </a:lnRef>
+          <a:fillRef idx="0">
+            <a:schemeClr val="accent1"/>
+          </a:fillRef>
+          <a:effectRef idx="0">
+            <a:schemeClr val="accent1"/>
+          </a:effectRef>
+          <a:fontRef idx="minor">
+            <a:schemeClr val="tx1"/>
+          </a:fontRef>
+        </p:style>
+        <p:txBody>
+          <a:bodyPr rtlCol="0" anchor="ctr"/>
+          <a:lstStyle/>
+          <a:p>
+            <a:pPr algn="ctr"/>
+            <a:endParaRPr kumimoji="1" lang="ja-JP" altLang="en-US" dirty="0">
+              <a:solidFill>
+                <a:srgbClr val="002060"/>
+              </a:solidFill>
+            </a:endParaRPr>
+          </a:p>
+        </p:txBody>
+      </p:sp>
+      <p:sp>
+        <p:nvSpPr>
+          <p:cNvPr id="12" name="右中かっこ 11">
+            <a:extLst>
+              <a:ext uri="{FF2B5EF4-FFF2-40B4-BE49-F238E27FC236}">
+                <a16:creationId xmlns:a16="http://schemas.microsoft.com/office/drawing/2014/main" id="{ED54DC76-B22D-D120-2048-BF6AA0521232}"/>
+              </a:ext>
+            </a:extLst>
+          </p:cNvPr>
+          <p:cNvSpPr/>
+          <p:nvPr/>
+        </p:nvSpPr>
+        <p:spPr>
+          <a:xfrm rot="10800000">
+            <a:off x="5428665" y="3429000"/>
+            <a:ext cx="307198" cy="767264"/>
           </a:xfrm>
           <a:prstGeom prst="rightBrace">
             <a:avLst/>
@@ -4165,10 +4342,10 @@
       </p:sp>
       <p:sp>
         <p:nvSpPr>
-          <p:cNvPr id="11" name="右中かっこ 10">
-            <a:extLst>
-              <a:ext uri="{FF2B5EF4-FFF2-40B4-BE49-F238E27FC236}">
-                <a16:creationId xmlns:a16="http://schemas.microsoft.com/office/drawing/2014/main" id="{AE27BF41-FC36-7DAA-839F-23F020A142E1}"/>
+          <p:cNvPr id="13" name="右中かっこ 12">
+            <a:extLst>
+              <a:ext uri="{FF2B5EF4-FFF2-40B4-BE49-F238E27FC236}">
+                <a16:creationId xmlns:a16="http://schemas.microsoft.com/office/drawing/2014/main" id="{97EC7675-280A-80F6-B6EC-43A0B7510B65}"/>
               </a:ext>
             </a:extLst>
           </p:cNvPr>
@@ -4176,16 +4353,16 @@
           <p:nvPr/>
         </p:nvSpPr>
         <p:spPr>
-          <a:xfrm rot="20470267">
-            <a:off x="5375935" y="2505088"/>
-            <a:ext cx="307198" cy="1621565"/>
+          <a:xfrm rot="4279134">
+            <a:off x="9363333" y="3545070"/>
+            <a:ext cx="307198" cy="766018"/>
           </a:xfrm>
           <a:prstGeom prst="rightBrace">
             <a:avLst/>
           </a:prstGeom>
           <a:ln w="38100">
             <a:solidFill>
-              <a:srgbClr val="FF0000"/>
+              <a:srgbClr val="00B050"/>
             </a:solidFill>
           </a:ln>
         </p:spPr>
@@ -4214,10 +4391,10 @@
       </p:sp>
       <p:sp>
         <p:nvSpPr>
-          <p:cNvPr id="12" name="右中かっこ 11">
-            <a:extLst>
-              <a:ext uri="{FF2B5EF4-FFF2-40B4-BE49-F238E27FC236}">
-                <a16:creationId xmlns:a16="http://schemas.microsoft.com/office/drawing/2014/main" id="{ED54DC76-B22D-D120-2048-BF6AA0521232}"/>
+          <p:cNvPr id="19" name="円弧 18">
+            <a:extLst>
+              <a:ext uri="{FF2B5EF4-FFF2-40B4-BE49-F238E27FC236}">
+                <a16:creationId xmlns:a16="http://schemas.microsoft.com/office/drawing/2014/main" id="{C5F6C446-A7B1-D198-1060-5FCB052DFD02}"/>
               </a:ext>
             </a:extLst>
           </p:cNvPr>
@@ -4225,17 +4402,22 @@
           <p:nvPr/>
         </p:nvSpPr>
         <p:spPr>
-          <a:xfrm rot="10800000">
-            <a:off x="4662882" y="2647950"/>
-            <a:ext cx="307198" cy="1614815"/>
+          <a:xfrm rot="16200000">
+            <a:off x="5966000" y="1856965"/>
+            <a:ext cx="1728250" cy="1809478"/>
           </a:xfrm>
-          <a:prstGeom prst="rightBrace">
-            <a:avLst/>
+          <a:prstGeom prst="arc">
+            <a:avLst>
+              <a:gd name="adj1" fmla="val 16465042"/>
+              <a:gd name="adj2" fmla="val 19020967"/>
+            </a:avLst>
           </a:prstGeom>
-          <a:ln w="38100">
+          <a:ln w="76200">
             <a:solidFill>
               <a:srgbClr val="FF0000"/>
             </a:solidFill>
+            <a:headEnd type="none" w="med" len="med"/>
+            <a:tailEnd type="triangle" w="med" len="med"/>
           </a:ln>
         </p:spPr>
         <p:style>
@@ -4263,10 +4445,54 @@
       </p:sp>
       <p:sp>
         <p:nvSpPr>
-          <p:cNvPr id="13" name="右中かっこ 12">
-            <a:extLst>
-              <a:ext uri="{FF2B5EF4-FFF2-40B4-BE49-F238E27FC236}">
-                <a16:creationId xmlns:a16="http://schemas.microsoft.com/office/drawing/2014/main" id="{97EC7675-280A-80F6-B6EC-43A0B7510B65}"/>
+          <p:cNvPr id="20" name="テキスト ボックス 19">
+            <a:extLst>
+              <a:ext uri="{FF2B5EF4-FFF2-40B4-BE49-F238E27FC236}">
+                <a16:creationId xmlns:a16="http://schemas.microsoft.com/office/drawing/2014/main" id="{A0923AB5-3064-64DC-9F70-867B40ED8E53}"/>
+              </a:ext>
+            </a:extLst>
+          </p:cNvPr>
+          <p:cNvSpPr txBox="1"/>
+          <p:nvPr/>
+        </p:nvSpPr>
+        <p:spPr>
+          <a:xfrm>
+            <a:off x="4169786" y="3572386"/>
+            <a:ext cx="1261884" cy="523220"/>
+          </a:xfrm>
+          <a:prstGeom prst="rect">
+            <a:avLst/>
+          </a:prstGeom>
+          <a:noFill/>
+        </p:spPr>
+        <p:txBody>
+          <a:bodyPr wrap="none" rtlCol="0">
+            <a:spAutoFit/>
+          </a:bodyPr>
+          <a:lstStyle/>
+          <a:p>
+            <a:r>
+              <a:rPr kumimoji="1" lang="ja-JP" altLang="en-US" sz="2800" b="1" dirty="0">
+                <a:solidFill>
+                  <a:srgbClr val="FF0000"/>
+                </a:solidFill>
+              </a:rPr>
+              <a:t>合図①</a:t>
+            </a:r>
+            <a:endParaRPr kumimoji="1" lang="ja-JP" altLang="en-US" b="1" dirty="0">
+              <a:solidFill>
+                <a:srgbClr val="FF0000"/>
+              </a:solidFill>
+            </a:endParaRPr>
+          </a:p>
+        </p:txBody>
+      </p:sp>
+      <p:sp>
+        <p:nvSpPr>
+          <p:cNvPr id="21" name="円弧 20">
+            <a:extLst>
+              <a:ext uri="{FF2B5EF4-FFF2-40B4-BE49-F238E27FC236}">
+                <a16:creationId xmlns:a16="http://schemas.microsoft.com/office/drawing/2014/main" id="{ABB4745A-7902-2A6F-C353-304B8B1E9959}"/>
               </a:ext>
             </a:extLst>
           </p:cNvPr>
@@ -4274,17 +4500,22 @@
           <p:nvPr/>
         </p:nvSpPr>
         <p:spPr>
-          <a:xfrm rot="3913306">
-            <a:off x="8392571" y="3524418"/>
-            <a:ext cx="307198" cy="1281306"/>
+          <a:xfrm rot="17983508" flipH="1">
+            <a:off x="8737864" y="3795749"/>
+            <a:ext cx="1404600" cy="1474724"/>
           </a:xfrm>
-          <a:prstGeom prst="rightBrace">
-            <a:avLst/>
+          <a:prstGeom prst="arc">
+            <a:avLst>
+              <a:gd name="adj1" fmla="val 16465042"/>
+              <a:gd name="adj2" fmla="val 19020967"/>
+            </a:avLst>
           </a:prstGeom>
-          <a:ln w="38100">
+          <a:ln w="76200">
             <a:solidFill>
-              <a:srgbClr val="FF0000"/>
+              <a:srgbClr val="7030A0"/>
             </a:solidFill>
+            <a:headEnd type="none" w="med" len="med"/>
+            <a:tailEnd type="triangle" w="med" len="med"/>
           </a:ln>
         </p:spPr>
         <p:style>
@@ -4307,6 +4538,288 @@
           <a:p>
             <a:pPr algn="ctr"/>
             <a:endParaRPr kumimoji="1" lang="ja-JP" altLang="en-US"/>
+          </a:p>
+        </p:txBody>
+      </p:sp>
+      <p:sp>
+        <p:nvSpPr>
+          <p:cNvPr id="22" name="テキスト ボックス 21">
+            <a:extLst>
+              <a:ext uri="{FF2B5EF4-FFF2-40B4-BE49-F238E27FC236}">
+                <a16:creationId xmlns:a16="http://schemas.microsoft.com/office/drawing/2014/main" id="{93B4A515-8386-F779-B3B6-CA53532D1885}"/>
+              </a:ext>
+            </a:extLst>
+          </p:cNvPr>
+          <p:cNvSpPr txBox="1"/>
+          <p:nvPr/>
+        </p:nvSpPr>
+        <p:spPr>
+          <a:xfrm>
+            <a:off x="8786118" y="4492016"/>
+            <a:ext cx="1729961" cy="523220"/>
+          </a:xfrm>
+          <a:prstGeom prst="rect">
+            <a:avLst/>
+          </a:prstGeom>
+          <a:noFill/>
+        </p:spPr>
+        <p:txBody>
+          <a:bodyPr wrap="none" rtlCol="0">
+            <a:spAutoFit/>
+          </a:bodyPr>
+          <a:lstStyle/>
+          <a:p>
+            <a:r>
+              <a:rPr kumimoji="1" lang="ja-JP" altLang="en-US" sz="2800" b="1" dirty="0">
+                <a:solidFill>
+                  <a:srgbClr val="7030A0"/>
+                </a:solidFill>
+              </a:rPr>
+              <a:t>分岐②</a:t>
+            </a:r>
+            <a:r>
+              <a:rPr lang="en-US" altLang="ja-JP" sz="2800" b="1" dirty="0">
+                <a:solidFill>
+                  <a:srgbClr val="7030A0"/>
+                </a:solidFill>
+              </a:rPr>
+              <a:t>:</a:t>
+            </a:r>
+            <a:r>
+              <a:rPr kumimoji="1" lang="ja-JP" altLang="en-US" sz="2800" b="1" dirty="0">
+                <a:solidFill>
+                  <a:srgbClr val="7030A0"/>
+                </a:solidFill>
+              </a:rPr>
+              <a:t>左</a:t>
+            </a:r>
+            <a:endParaRPr kumimoji="1" lang="ja-JP" altLang="en-US" b="1" dirty="0">
+              <a:solidFill>
+                <a:srgbClr val="7030A0"/>
+              </a:solidFill>
+            </a:endParaRPr>
+          </a:p>
+        </p:txBody>
+      </p:sp>
+      <p:sp>
+        <p:nvSpPr>
+          <p:cNvPr id="23" name="円弧 22">
+            <a:extLst>
+              <a:ext uri="{FF2B5EF4-FFF2-40B4-BE49-F238E27FC236}">
+                <a16:creationId xmlns:a16="http://schemas.microsoft.com/office/drawing/2014/main" id="{7705E92E-8BC2-0224-9A8F-5FAB7C92ECB1}"/>
+              </a:ext>
+            </a:extLst>
+          </p:cNvPr>
+          <p:cNvSpPr/>
+          <p:nvPr/>
+        </p:nvSpPr>
+        <p:spPr>
+          <a:xfrm rot="7687406">
+            <a:off x="7143241" y="2643142"/>
+            <a:ext cx="1728250" cy="1809478"/>
+          </a:xfrm>
+          <a:prstGeom prst="arc">
+            <a:avLst>
+              <a:gd name="adj1" fmla="val 16465042"/>
+              <a:gd name="adj2" fmla="val 19020967"/>
+            </a:avLst>
+          </a:prstGeom>
+          <a:ln w="76200">
+            <a:solidFill>
+              <a:srgbClr val="00B050"/>
+            </a:solidFill>
+            <a:headEnd type="none" w="med" len="med"/>
+            <a:tailEnd type="triangle" w="med" len="med"/>
+          </a:ln>
+        </p:spPr>
+        <p:style>
+          <a:lnRef idx="1">
+            <a:schemeClr val="accent1"/>
+          </a:lnRef>
+          <a:fillRef idx="0">
+            <a:schemeClr val="accent1"/>
+          </a:fillRef>
+          <a:effectRef idx="0">
+            <a:schemeClr val="accent1"/>
+          </a:effectRef>
+          <a:fontRef idx="minor">
+            <a:schemeClr val="tx1"/>
+          </a:fontRef>
+        </p:style>
+        <p:txBody>
+          <a:bodyPr rtlCol="0" anchor="ctr"/>
+          <a:lstStyle/>
+          <a:p>
+            <a:pPr algn="ctr"/>
+            <a:endParaRPr kumimoji="1" lang="ja-JP" altLang="en-US">
+              <a:solidFill>
+                <a:srgbClr val="00B050"/>
+              </a:solidFill>
+            </a:endParaRPr>
+          </a:p>
+        </p:txBody>
+      </p:sp>
+      <p:sp>
+        <p:nvSpPr>
+          <p:cNvPr id="24" name="テキスト ボックス 23">
+            <a:extLst>
+              <a:ext uri="{FF2B5EF4-FFF2-40B4-BE49-F238E27FC236}">
+                <a16:creationId xmlns:a16="http://schemas.microsoft.com/office/drawing/2014/main" id="{6D8BAFBC-25AF-509E-2F93-47BAF0F3EF21}"/>
+              </a:ext>
+            </a:extLst>
+          </p:cNvPr>
+          <p:cNvSpPr txBox="1"/>
+          <p:nvPr/>
+        </p:nvSpPr>
+        <p:spPr>
+          <a:xfrm>
+            <a:off x="6902800" y="3808489"/>
+            <a:ext cx="1729961" cy="523220"/>
+          </a:xfrm>
+          <a:prstGeom prst="rect">
+            <a:avLst/>
+          </a:prstGeom>
+          <a:noFill/>
+        </p:spPr>
+        <p:txBody>
+          <a:bodyPr wrap="none" rtlCol="0">
+            <a:spAutoFit/>
+          </a:bodyPr>
+          <a:lstStyle/>
+          <a:p>
+            <a:r>
+              <a:rPr lang="ja-JP" altLang="en-US" sz="2800" b="1" dirty="0">
+                <a:solidFill>
+                  <a:srgbClr val="00B050"/>
+                </a:solidFill>
+              </a:rPr>
+              <a:t>分岐③</a:t>
+            </a:r>
+            <a:r>
+              <a:rPr lang="en-US" altLang="ja-JP" sz="2800" b="1" dirty="0">
+                <a:solidFill>
+                  <a:srgbClr val="00B050"/>
+                </a:solidFill>
+              </a:rPr>
+              <a:t>:</a:t>
+            </a:r>
+            <a:r>
+              <a:rPr lang="ja-JP" altLang="en-US" sz="2800" b="1" dirty="0">
+                <a:solidFill>
+                  <a:srgbClr val="00B050"/>
+                </a:solidFill>
+              </a:rPr>
+              <a:t>右</a:t>
+            </a:r>
+            <a:endParaRPr kumimoji="1" lang="ja-JP" altLang="en-US" b="1" dirty="0">
+              <a:solidFill>
+                <a:srgbClr val="00B050"/>
+              </a:solidFill>
+            </a:endParaRPr>
+          </a:p>
+        </p:txBody>
+      </p:sp>
+      <p:cxnSp>
+        <p:nvCxnSpPr>
+          <p:cNvPr id="26" name="直線矢印コネクタ 25">
+            <a:extLst>
+              <a:ext uri="{FF2B5EF4-FFF2-40B4-BE49-F238E27FC236}">
+                <a16:creationId xmlns:a16="http://schemas.microsoft.com/office/drawing/2014/main" id="{A3ECFD43-060D-EDC7-DF0C-074B7FF4E445}"/>
+              </a:ext>
+            </a:extLst>
+          </p:cNvPr>
+          <p:cNvCxnSpPr>
+            <a:cxnSpLocks/>
+          </p:cNvCxnSpPr>
+          <p:nvPr/>
+        </p:nvCxnSpPr>
+        <p:spPr>
+          <a:xfrm flipH="1" flipV="1">
+            <a:off x="5715405" y="1960032"/>
+            <a:ext cx="64705" cy="538849"/>
+          </a:xfrm>
+          <a:prstGeom prst="straightConnector1">
+            <a:avLst/>
+          </a:prstGeom>
+          <a:ln w="76200">
+            <a:solidFill>
+              <a:srgbClr val="002060"/>
+            </a:solidFill>
+            <a:tailEnd type="triangle"/>
+          </a:ln>
+        </p:spPr>
+        <p:style>
+          <a:lnRef idx="1">
+            <a:schemeClr val="accent1"/>
+          </a:lnRef>
+          <a:fillRef idx="0">
+            <a:schemeClr val="accent1"/>
+          </a:fillRef>
+          <a:effectRef idx="0">
+            <a:schemeClr val="accent1"/>
+          </a:effectRef>
+          <a:fontRef idx="minor">
+            <a:schemeClr val="tx1"/>
+          </a:fontRef>
+        </p:style>
+      </p:cxnSp>
+      <p:sp>
+        <p:nvSpPr>
+          <p:cNvPr id="30" name="テキスト ボックス 29">
+            <a:extLst>
+              <a:ext uri="{FF2B5EF4-FFF2-40B4-BE49-F238E27FC236}">
+                <a16:creationId xmlns:a16="http://schemas.microsoft.com/office/drawing/2014/main" id="{FBBED72A-8933-63E4-47FD-AD38DA47124C}"/>
+              </a:ext>
+            </a:extLst>
+          </p:cNvPr>
+          <p:cNvSpPr txBox="1"/>
+          <p:nvPr/>
+        </p:nvSpPr>
+        <p:spPr>
+          <a:xfrm>
+            <a:off x="4001290" y="2047931"/>
+            <a:ext cx="1729961" cy="523220"/>
+          </a:xfrm>
+          <a:prstGeom prst="rect">
+            <a:avLst/>
+          </a:prstGeom>
+          <a:noFill/>
+        </p:spPr>
+        <p:txBody>
+          <a:bodyPr wrap="none" rtlCol="0">
+            <a:spAutoFit/>
+          </a:bodyPr>
+          <a:lstStyle/>
+          <a:p>
+            <a:r>
+              <a:rPr lang="ja-JP" altLang="en-US" sz="2800" b="1" dirty="0">
+                <a:solidFill>
+                  <a:srgbClr val="002060"/>
+                </a:solidFill>
+              </a:rPr>
+              <a:t>分岐④</a:t>
+            </a:r>
+            <a:r>
+              <a:rPr lang="en-US" altLang="ja-JP" sz="2800" b="1" dirty="0">
+                <a:solidFill>
+                  <a:srgbClr val="002060"/>
+                </a:solidFill>
+              </a:rPr>
+              <a:t>:</a:t>
+            </a:r>
+            <a:r>
+              <a:rPr lang="ja-JP" altLang="en-US" sz="2800" b="1" dirty="0">
+                <a:solidFill>
+                  <a:srgbClr val="002060"/>
+                </a:solidFill>
+              </a:rPr>
+              <a:t>左</a:t>
+            </a:r>
+            <a:endParaRPr lang="en-US" altLang="ja-JP" sz="2800" b="1" dirty="0">
+              <a:solidFill>
+                <a:srgbClr val="002060"/>
+              </a:solidFill>
+            </a:endParaRPr>
           </a:p>
         </p:txBody>
       </p:sp>

--- a/model/素材/2.3.1_マップ情報.pptx
+++ b/model/素材/2.3.1_マップ情報.pptx
@@ -259,7 +259,7 @@
           <a:p>
             <a:fld id="{51E7F2AC-F81A-400C-8051-E3A918425226}" type="datetimeFigureOut">
               <a:rPr kumimoji="1" lang="ja-JP" altLang="en-US" smtClean="0"/>
-              <a:t>2025/8/11</a:t>
+              <a:t>2025/8/15</a:t>
             </a:fld>
             <a:endParaRPr kumimoji="1" lang="ja-JP" altLang="en-US"/>
           </a:p>
@@ -489,7 +489,7 @@
           <a:p>
             <a:fld id="{51E7F2AC-F81A-400C-8051-E3A918425226}" type="datetimeFigureOut">
               <a:rPr kumimoji="1" lang="ja-JP" altLang="en-US" smtClean="0"/>
-              <a:t>2025/8/11</a:t>
+              <a:t>2025/8/15</a:t>
             </a:fld>
             <a:endParaRPr kumimoji="1" lang="ja-JP" altLang="en-US"/>
           </a:p>
@@ -729,7 +729,7 @@
           <a:p>
             <a:fld id="{51E7F2AC-F81A-400C-8051-E3A918425226}" type="datetimeFigureOut">
               <a:rPr kumimoji="1" lang="ja-JP" altLang="en-US" smtClean="0"/>
-              <a:t>2025/8/11</a:t>
+              <a:t>2025/8/15</a:t>
             </a:fld>
             <a:endParaRPr kumimoji="1" lang="ja-JP" altLang="en-US"/>
           </a:p>
@@ -959,7 +959,7 @@
           <a:p>
             <a:fld id="{51E7F2AC-F81A-400C-8051-E3A918425226}" type="datetimeFigureOut">
               <a:rPr kumimoji="1" lang="ja-JP" altLang="en-US" smtClean="0"/>
-              <a:t>2025/8/11</a:t>
+              <a:t>2025/8/15</a:t>
             </a:fld>
             <a:endParaRPr kumimoji="1" lang="ja-JP" altLang="en-US"/>
           </a:p>
@@ -1234,7 +1234,7 @@
           <a:p>
             <a:fld id="{51E7F2AC-F81A-400C-8051-E3A918425226}" type="datetimeFigureOut">
               <a:rPr kumimoji="1" lang="ja-JP" altLang="en-US" smtClean="0"/>
-              <a:t>2025/8/11</a:t>
+              <a:t>2025/8/15</a:t>
             </a:fld>
             <a:endParaRPr kumimoji="1" lang="ja-JP" altLang="en-US"/>
           </a:p>
@@ -1563,7 +1563,7 @@
           <a:p>
             <a:fld id="{51E7F2AC-F81A-400C-8051-E3A918425226}" type="datetimeFigureOut">
               <a:rPr kumimoji="1" lang="ja-JP" altLang="en-US" smtClean="0"/>
-              <a:t>2025/8/11</a:t>
+              <a:t>2025/8/15</a:t>
             </a:fld>
             <a:endParaRPr kumimoji="1" lang="ja-JP" altLang="en-US"/>
           </a:p>
@@ -2039,7 +2039,7 @@
           <a:p>
             <a:fld id="{51E7F2AC-F81A-400C-8051-E3A918425226}" type="datetimeFigureOut">
               <a:rPr kumimoji="1" lang="ja-JP" altLang="en-US" smtClean="0"/>
-              <a:t>2025/8/11</a:t>
+              <a:t>2025/8/15</a:t>
             </a:fld>
             <a:endParaRPr kumimoji="1" lang="ja-JP" altLang="en-US"/>
           </a:p>
@@ -2180,7 +2180,7 @@
           <a:p>
             <a:fld id="{51E7F2AC-F81A-400C-8051-E3A918425226}" type="datetimeFigureOut">
               <a:rPr kumimoji="1" lang="ja-JP" altLang="en-US" smtClean="0"/>
-              <a:t>2025/8/11</a:t>
+              <a:t>2025/8/15</a:t>
             </a:fld>
             <a:endParaRPr kumimoji="1" lang="ja-JP" altLang="en-US"/>
           </a:p>
@@ -2293,7 +2293,7 @@
           <a:p>
             <a:fld id="{51E7F2AC-F81A-400C-8051-E3A918425226}" type="datetimeFigureOut">
               <a:rPr kumimoji="1" lang="ja-JP" altLang="en-US" smtClean="0"/>
-              <a:t>2025/8/11</a:t>
+              <a:t>2025/8/15</a:t>
             </a:fld>
             <a:endParaRPr kumimoji="1" lang="ja-JP" altLang="en-US"/>
           </a:p>
@@ -2636,7 +2636,7 @@
           <a:p>
             <a:fld id="{51E7F2AC-F81A-400C-8051-E3A918425226}" type="datetimeFigureOut">
               <a:rPr kumimoji="1" lang="ja-JP" altLang="en-US" smtClean="0"/>
-              <a:t>2025/8/11</a:t>
+              <a:t>2025/8/15</a:t>
             </a:fld>
             <a:endParaRPr kumimoji="1" lang="ja-JP" altLang="en-US"/>
           </a:p>
@@ -2924,7 +2924,7 @@
           <a:p>
             <a:fld id="{51E7F2AC-F81A-400C-8051-E3A918425226}" type="datetimeFigureOut">
               <a:rPr kumimoji="1" lang="ja-JP" altLang="en-US" smtClean="0"/>
-              <a:t>2025/8/11</a:t>
+              <a:t>2025/8/15</a:t>
             </a:fld>
             <a:endParaRPr kumimoji="1" lang="ja-JP" altLang="en-US"/>
           </a:p>
@@ -3197,7 +3197,7 @@
           <a:p>
             <a:fld id="{51E7F2AC-F81A-400C-8051-E3A918425226}" type="datetimeFigureOut">
               <a:rPr kumimoji="1" lang="ja-JP" altLang="en-US" smtClean="0"/>
-              <a:t>2025/8/11</a:t>
+              <a:t>2025/8/15</a:t>
             </a:fld>
             <a:endParaRPr kumimoji="1" lang="ja-JP" altLang="en-US"/>
           </a:p>
@@ -3629,14 +3629,14 @@
           <p:nvPr>
             <p:extLst>
               <p:ext uri="{D42A27DB-BD31-4B8C-83A1-F6EECF244321}">
-                <p14:modId xmlns:p14="http://schemas.microsoft.com/office/powerpoint/2010/main" val="2769998083"/>
+                <p14:modId xmlns:p14="http://schemas.microsoft.com/office/powerpoint/2010/main" val="2188545791"/>
               </p:ext>
             </p:extLst>
           </p:nvPr>
         </p:nvGraphicFramePr>
         <p:xfrm>
-          <a:off x="593403" y="323232"/>
-          <a:ext cx="3246582" cy="2225040"/>
+          <a:off x="150789" y="4492016"/>
+          <a:ext cx="4050866" cy="1955800"/>
         </p:xfrm>
         <a:graphic>
           <a:graphicData uri="http://schemas.openxmlformats.org/drawingml/2006/table">
@@ -3645,21 +3645,21 @@
                 <a:tableStyleId>{5C22544A-7EE6-4342-B048-85BDC9FD1C3A}</a:tableStyleId>
               </a:tblPr>
               <a:tblGrid>
-                <a:gridCol w="727825">
+                <a:gridCol w="1161281">
                   <a:extLst>
                     <a:ext uri="{9D8B030D-6E8A-4147-A177-3AD203B41FA5}">
                       <a16:colId xmlns:a16="http://schemas.microsoft.com/office/drawing/2014/main" val="19876456"/>
                     </a:ext>
                   </a:extLst>
                 </a:gridCol>
-                <a:gridCol w="1745673">
+                <a:gridCol w="1744974">
                   <a:extLst>
                     <a:ext uri="{9D8B030D-6E8A-4147-A177-3AD203B41FA5}">
                       <a16:colId xmlns:a16="http://schemas.microsoft.com/office/drawing/2014/main" val="3620360307"/>
                     </a:ext>
                   </a:extLst>
                 </a:gridCol>
-                <a:gridCol w="773084">
+                <a:gridCol w="1144611">
                   <a:extLst>
                     <a:ext uri="{9D8B030D-6E8A-4147-A177-3AD203B41FA5}">
                       <a16:colId xmlns:a16="http://schemas.microsoft.com/office/drawing/2014/main" val="2974224651"/>
@@ -3673,53 +3673,153 @@
                     <a:bodyPr/>
                     <a:lstStyle/>
                     <a:p>
+                      <a:pPr algn="ctr"/>
                       <a:r>
                         <a:rPr kumimoji="1" lang="ja-JP" altLang="en-US" dirty="0"/>
-                        <a:t>分岐</a:t>
-                      </a:r>
-                      <a:endParaRPr kumimoji="1" lang="en-US" altLang="ja-JP" dirty="0"/>
-                    </a:p>
-                    <a:p>
-                      <a:r>
-                        <a:rPr kumimoji="1" lang="ja-JP" altLang="en-US" dirty="0"/>
-                        <a:t>番号</a:t>
+                        <a:t>分岐番号</a:t>
                       </a:r>
                     </a:p>
                   </a:txBody>
-                  <a:tcPr/>
+                  <a:tcPr>
+                    <a:lnL w="12700" cap="flat" cmpd="sng" algn="ctr">
+                      <a:solidFill>
+                        <a:schemeClr val="tx1"/>
+                      </a:solidFill>
+                      <a:prstDash val="solid"/>
+                      <a:round/>
+                      <a:headEnd type="none" w="med" len="med"/>
+                      <a:tailEnd type="none" w="med" len="med"/>
+                    </a:lnL>
+                    <a:lnR w="12700" cap="flat" cmpd="sng" algn="ctr">
+                      <a:solidFill>
+                        <a:schemeClr val="tx1"/>
+                      </a:solidFill>
+                      <a:prstDash val="solid"/>
+                      <a:round/>
+                      <a:headEnd type="none" w="med" len="med"/>
+                      <a:tailEnd type="none" w="med" len="med"/>
+                    </a:lnR>
+                    <a:lnT w="12700" cap="flat" cmpd="sng" algn="ctr">
+                      <a:solidFill>
+                        <a:schemeClr val="tx1"/>
+                      </a:solidFill>
+                      <a:prstDash val="solid"/>
+                      <a:round/>
+                      <a:headEnd type="none" w="med" len="med"/>
+                      <a:tailEnd type="none" w="med" len="med"/>
+                    </a:lnT>
+                    <a:lnB w="12700" cap="flat" cmpd="sng" algn="ctr">
+                      <a:solidFill>
+                        <a:schemeClr val="tx1"/>
+                      </a:solidFill>
+                      <a:prstDash val="solid"/>
+                      <a:round/>
+                      <a:headEnd type="none" w="med" len="med"/>
+                      <a:tailEnd type="none" w="med" len="med"/>
+                    </a:lnB>
+                  </a:tcPr>
                 </a:tc>
                 <a:tc>
                   <a:txBody>
                     <a:bodyPr/>
                     <a:lstStyle/>
                     <a:p>
+                      <a:pPr algn="ctr"/>
                       <a:r>
                         <a:rPr kumimoji="1" lang="ja-JP" altLang="en-US" dirty="0"/>
-                        <a:t>分岐</a:t>
-                      </a:r>
-                      <a:endParaRPr kumimoji="1" lang="en-US" altLang="ja-JP" dirty="0"/>
-                    </a:p>
-                    <a:p>
-                      <a:r>
-                        <a:rPr kumimoji="1" lang="ja-JP" altLang="en-US" dirty="0"/>
-                        <a:t>合図</a:t>
+                        <a:t>分岐合図</a:t>
                       </a:r>
                     </a:p>
                   </a:txBody>
-                  <a:tcPr/>
+                  <a:tcPr>
+                    <a:lnL w="12700" cap="flat" cmpd="sng" algn="ctr">
+                      <a:solidFill>
+                        <a:schemeClr val="tx1"/>
+                      </a:solidFill>
+                      <a:prstDash val="solid"/>
+                      <a:round/>
+                      <a:headEnd type="none" w="med" len="med"/>
+                      <a:tailEnd type="none" w="med" len="med"/>
+                    </a:lnL>
+                    <a:lnR w="12700" cap="flat" cmpd="sng" algn="ctr">
+                      <a:solidFill>
+                        <a:schemeClr val="tx1"/>
+                      </a:solidFill>
+                      <a:prstDash val="solid"/>
+                      <a:round/>
+                      <a:headEnd type="none" w="med" len="med"/>
+                      <a:tailEnd type="none" w="med" len="med"/>
+                    </a:lnR>
+                    <a:lnT w="12700" cap="flat" cmpd="sng" algn="ctr">
+                      <a:solidFill>
+                        <a:schemeClr val="tx1"/>
+                      </a:solidFill>
+                      <a:prstDash val="solid"/>
+                      <a:round/>
+                      <a:headEnd type="none" w="med" len="med"/>
+                      <a:tailEnd type="none" w="med" len="med"/>
+                    </a:lnT>
+                    <a:lnB w="12700" cap="flat" cmpd="sng" algn="ctr">
+                      <a:solidFill>
+                        <a:schemeClr val="tx1"/>
+                      </a:solidFill>
+                      <a:prstDash val="solid"/>
+                      <a:round/>
+                      <a:headEnd type="none" w="med" len="med"/>
+                      <a:tailEnd type="none" w="med" len="med"/>
+                    </a:lnB>
+                  </a:tcPr>
                 </a:tc>
                 <a:tc>
                   <a:txBody>
                     <a:bodyPr/>
                     <a:lstStyle/>
                     <a:p>
+                      <a:pPr algn="ctr"/>
                       <a:r>
                         <a:rPr kumimoji="1" lang="ja-JP" altLang="en-US" dirty="0"/>
                         <a:t>進行方向</a:t>
                       </a:r>
                     </a:p>
                   </a:txBody>
-                  <a:tcPr/>
+                  <a:tcPr>
+                    <a:lnL w="12700" cap="flat" cmpd="sng" algn="ctr">
+                      <a:solidFill>
+                        <a:schemeClr val="tx1"/>
+                      </a:solidFill>
+                      <a:prstDash val="solid"/>
+                      <a:round/>
+                      <a:headEnd type="none" w="med" len="med"/>
+                      <a:tailEnd type="none" w="med" len="med"/>
+                    </a:lnL>
+                    <a:lnR w="12700" cap="flat" cmpd="sng" algn="ctr">
+                      <a:solidFill>
+                        <a:schemeClr val="tx1"/>
+                      </a:solidFill>
+                      <a:prstDash val="solid"/>
+                      <a:round/>
+                      <a:headEnd type="none" w="med" len="med"/>
+                      <a:tailEnd type="none" w="med" len="med"/>
+                    </a:lnR>
+                    <a:lnT w="12700" cap="flat" cmpd="sng" algn="ctr">
+                      <a:solidFill>
+                        <a:schemeClr val="tx1"/>
+                      </a:solidFill>
+                      <a:prstDash val="solid"/>
+                      <a:round/>
+                      <a:headEnd type="none" w="med" len="med"/>
+                      <a:tailEnd type="none" w="med" len="med"/>
+                    </a:lnT>
+                    <a:lnB w="12700" cap="flat" cmpd="sng" algn="ctr">
+                      <a:solidFill>
+                        <a:schemeClr val="tx1"/>
+                      </a:solidFill>
+                      <a:prstDash val="solid"/>
+                      <a:round/>
+                      <a:headEnd type="none" w="med" len="med"/>
+                      <a:tailEnd type="none" w="med" len="med"/>
+                    </a:lnB>
+                  </a:tcPr>
                 </a:tc>
                 <a:extLst>
                   <a:ext uri="{0D108BD9-81ED-4DB2-BD59-A6C34878D82A}">
@@ -3733,6 +3833,7 @@
                     <a:bodyPr/>
                     <a:lstStyle/>
                     <a:p>
+                      <a:pPr algn="ctr"/>
                       <a:r>
                         <a:rPr kumimoji="1" lang="ja-JP" altLang="en-US" sz="2000" b="0" dirty="0">
                           <a:solidFill>
@@ -3743,7 +3844,44 @@
                       </a:r>
                     </a:p>
                   </a:txBody>
-                  <a:tcPr/>
+                  <a:tcPr>
+                    <a:lnL w="12700" cap="flat" cmpd="sng" algn="ctr">
+                      <a:solidFill>
+                        <a:schemeClr val="tx1"/>
+                      </a:solidFill>
+                      <a:prstDash val="solid"/>
+                      <a:round/>
+                      <a:headEnd type="none" w="med" len="med"/>
+                      <a:tailEnd type="none" w="med" len="med"/>
+                    </a:lnL>
+                    <a:lnR w="12700" cap="flat" cmpd="sng" algn="ctr">
+                      <a:solidFill>
+                        <a:schemeClr val="tx1"/>
+                      </a:solidFill>
+                      <a:prstDash val="solid"/>
+                      <a:round/>
+                      <a:headEnd type="none" w="med" len="med"/>
+                      <a:tailEnd type="none" w="med" len="med"/>
+                    </a:lnR>
+                    <a:lnT w="12700" cap="flat" cmpd="sng" algn="ctr">
+                      <a:solidFill>
+                        <a:schemeClr val="tx1"/>
+                      </a:solidFill>
+                      <a:prstDash val="solid"/>
+                      <a:round/>
+                      <a:headEnd type="none" w="med" len="med"/>
+                      <a:tailEnd type="none" w="med" len="med"/>
+                    </a:lnT>
+                    <a:lnB w="12700" cap="flat" cmpd="sng" algn="ctr">
+                      <a:solidFill>
+                        <a:schemeClr val="tx1"/>
+                      </a:solidFill>
+                      <a:prstDash val="solid"/>
+                      <a:round/>
+                      <a:headEnd type="none" w="med" len="med"/>
+                      <a:tailEnd type="none" w="med" len="med"/>
+                    </a:lnB>
+                  </a:tcPr>
                 </a:tc>
                 <a:tc>
                   <a:txBody>
@@ -3760,7 +3898,44 @@
                       </a:r>
                     </a:p>
                   </a:txBody>
-                  <a:tcPr/>
+                  <a:tcPr>
+                    <a:lnL w="12700" cap="flat" cmpd="sng" algn="ctr">
+                      <a:solidFill>
+                        <a:schemeClr val="tx1"/>
+                      </a:solidFill>
+                      <a:prstDash val="solid"/>
+                      <a:round/>
+                      <a:headEnd type="none" w="med" len="med"/>
+                      <a:tailEnd type="none" w="med" len="med"/>
+                    </a:lnL>
+                    <a:lnR w="12700" cap="flat" cmpd="sng" algn="ctr">
+                      <a:solidFill>
+                        <a:schemeClr val="tx1"/>
+                      </a:solidFill>
+                      <a:prstDash val="solid"/>
+                      <a:round/>
+                      <a:headEnd type="none" w="med" len="med"/>
+                      <a:tailEnd type="none" w="med" len="med"/>
+                    </a:lnR>
+                    <a:lnT w="12700" cap="flat" cmpd="sng" algn="ctr">
+                      <a:solidFill>
+                        <a:schemeClr val="tx1"/>
+                      </a:solidFill>
+                      <a:prstDash val="solid"/>
+                      <a:round/>
+                      <a:headEnd type="none" w="med" len="med"/>
+                      <a:tailEnd type="none" w="med" len="med"/>
+                    </a:lnT>
+                    <a:lnB w="12700" cap="flat" cmpd="sng" algn="ctr">
+                      <a:solidFill>
+                        <a:schemeClr val="tx1"/>
+                      </a:solidFill>
+                      <a:prstDash val="solid"/>
+                      <a:round/>
+                      <a:headEnd type="none" w="med" len="med"/>
+                      <a:tailEnd type="none" w="med" len="med"/>
+                    </a:lnB>
+                  </a:tcPr>
                 </a:tc>
                 <a:tc>
                   <a:txBody>
@@ -3777,7 +3952,44 @@
                       </a:r>
                     </a:p>
                   </a:txBody>
-                  <a:tcPr/>
+                  <a:tcPr>
+                    <a:lnL w="12700" cap="flat" cmpd="sng" algn="ctr">
+                      <a:solidFill>
+                        <a:schemeClr val="tx1"/>
+                      </a:solidFill>
+                      <a:prstDash val="solid"/>
+                      <a:round/>
+                      <a:headEnd type="none" w="med" len="med"/>
+                      <a:tailEnd type="none" w="med" len="med"/>
+                    </a:lnL>
+                    <a:lnR w="12700" cap="flat" cmpd="sng" algn="ctr">
+                      <a:solidFill>
+                        <a:schemeClr val="tx1"/>
+                      </a:solidFill>
+                      <a:prstDash val="solid"/>
+                      <a:round/>
+                      <a:headEnd type="none" w="med" len="med"/>
+                      <a:tailEnd type="none" w="med" len="med"/>
+                    </a:lnR>
+                    <a:lnT w="12700" cap="flat" cmpd="sng" algn="ctr">
+                      <a:solidFill>
+                        <a:schemeClr val="tx1"/>
+                      </a:solidFill>
+                      <a:prstDash val="solid"/>
+                      <a:round/>
+                      <a:headEnd type="none" w="med" len="med"/>
+                      <a:tailEnd type="none" w="med" len="med"/>
+                    </a:lnT>
+                    <a:lnB w="12700" cap="flat" cmpd="sng" algn="ctr">
+                      <a:solidFill>
+                        <a:schemeClr val="tx1"/>
+                      </a:solidFill>
+                      <a:prstDash val="solid"/>
+                      <a:round/>
+                      <a:headEnd type="none" w="med" len="med"/>
+                      <a:tailEnd type="none" w="med" len="med"/>
+                    </a:lnB>
+                  </a:tcPr>
                 </a:tc>
                 <a:extLst>
                   <a:ext uri="{0D108BD9-81ED-4DB2-BD59-A6C34878D82A}">
@@ -3791,6 +4003,7 @@
                     <a:bodyPr/>
                     <a:lstStyle/>
                     <a:p>
+                      <a:pPr algn="ctr"/>
                       <a:r>
                         <a:rPr kumimoji="1" lang="ja-JP" altLang="en-US" sz="2000" b="0" dirty="0">
                           <a:solidFill>
@@ -3801,7 +4014,44 @@
                       </a:r>
                     </a:p>
                   </a:txBody>
-                  <a:tcPr/>
+                  <a:tcPr>
+                    <a:lnL w="12700" cap="flat" cmpd="sng" algn="ctr">
+                      <a:solidFill>
+                        <a:schemeClr val="tx1"/>
+                      </a:solidFill>
+                      <a:prstDash val="solid"/>
+                      <a:round/>
+                      <a:headEnd type="none" w="med" len="med"/>
+                      <a:tailEnd type="none" w="med" len="med"/>
+                    </a:lnL>
+                    <a:lnR w="12700" cap="flat" cmpd="sng" algn="ctr">
+                      <a:solidFill>
+                        <a:schemeClr val="tx1"/>
+                      </a:solidFill>
+                      <a:prstDash val="solid"/>
+                      <a:round/>
+                      <a:headEnd type="none" w="med" len="med"/>
+                      <a:tailEnd type="none" w="med" len="med"/>
+                    </a:lnR>
+                    <a:lnT w="12700" cap="flat" cmpd="sng" algn="ctr">
+                      <a:solidFill>
+                        <a:schemeClr val="tx1"/>
+                      </a:solidFill>
+                      <a:prstDash val="solid"/>
+                      <a:round/>
+                      <a:headEnd type="none" w="med" len="med"/>
+                      <a:tailEnd type="none" w="med" len="med"/>
+                    </a:lnT>
+                    <a:lnB w="12700" cap="flat" cmpd="sng" algn="ctr">
+                      <a:solidFill>
+                        <a:schemeClr val="tx1"/>
+                      </a:solidFill>
+                      <a:prstDash val="solid"/>
+                      <a:round/>
+                      <a:headEnd type="none" w="med" len="med"/>
+                      <a:tailEnd type="none" w="med" len="med"/>
+                    </a:lnB>
+                  </a:tcPr>
                 </a:tc>
                 <a:tc>
                   <a:txBody>
@@ -3818,7 +4068,44 @@
                       </a:r>
                     </a:p>
                   </a:txBody>
-                  <a:tcPr/>
+                  <a:tcPr>
+                    <a:lnL w="12700" cap="flat" cmpd="sng" algn="ctr">
+                      <a:solidFill>
+                        <a:schemeClr val="tx1"/>
+                      </a:solidFill>
+                      <a:prstDash val="solid"/>
+                      <a:round/>
+                      <a:headEnd type="none" w="med" len="med"/>
+                      <a:tailEnd type="none" w="med" len="med"/>
+                    </a:lnL>
+                    <a:lnR w="12700" cap="flat" cmpd="sng" algn="ctr">
+                      <a:solidFill>
+                        <a:schemeClr val="tx1"/>
+                      </a:solidFill>
+                      <a:prstDash val="solid"/>
+                      <a:round/>
+                      <a:headEnd type="none" w="med" len="med"/>
+                      <a:tailEnd type="none" w="med" len="med"/>
+                    </a:lnR>
+                    <a:lnT w="12700" cap="flat" cmpd="sng" algn="ctr">
+                      <a:solidFill>
+                        <a:schemeClr val="tx1"/>
+                      </a:solidFill>
+                      <a:prstDash val="solid"/>
+                      <a:round/>
+                      <a:headEnd type="none" w="med" len="med"/>
+                      <a:tailEnd type="none" w="med" len="med"/>
+                    </a:lnT>
+                    <a:lnB w="12700" cap="flat" cmpd="sng" algn="ctr">
+                      <a:solidFill>
+                        <a:schemeClr val="tx1"/>
+                      </a:solidFill>
+                      <a:prstDash val="solid"/>
+                      <a:round/>
+                      <a:headEnd type="none" w="med" len="med"/>
+                      <a:tailEnd type="none" w="med" len="med"/>
+                    </a:lnB>
+                  </a:tcPr>
                 </a:tc>
                 <a:tc>
                   <a:txBody>
@@ -3835,7 +4122,44 @@
                       </a:r>
                     </a:p>
                   </a:txBody>
-                  <a:tcPr/>
+                  <a:tcPr>
+                    <a:lnL w="12700" cap="flat" cmpd="sng" algn="ctr">
+                      <a:solidFill>
+                        <a:schemeClr val="tx1"/>
+                      </a:solidFill>
+                      <a:prstDash val="solid"/>
+                      <a:round/>
+                      <a:headEnd type="none" w="med" len="med"/>
+                      <a:tailEnd type="none" w="med" len="med"/>
+                    </a:lnL>
+                    <a:lnR w="12700" cap="flat" cmpd="sng" algn="ctr">
+                      <a:solidFill>
+                        <a:schemeClr val="tx1"/>
+                      </a:solidFill>
+                      <a:prstDash val="solid"/>
+                      <a:round/>
+                      <a:headEnd type="none" w="med" len="med"/>
+                      <a:tailEnd type="none" w="med" len="med"/>
+                    </a:lnR>
+                    <a:lnT w="12700" cap="flat" cmpd="sng" algn="ctr">
+                      <a:solidFill>
+                        <a:schemeClr val="tx1"/>
+                      </a:solidFill>
+                      <a:prstDash val="solid"/>
+                      <a:round/>
+                      <a:headEnd type="none" w="med" len="med"/>
+                      <a:tailEnd type="none" w="med" len="med"/>
+                    </a:lnT>
+                    <a:lnB w="12700" cap="flat" cmpd="sng" algn="ctr">
+                      <a:solidFill>
+                        <a:schemeClr val="tx1"/>
+                      </a:solidFill>
+                      <a:prstDash val="solid"/>
+                      <a:round/>
+                      <a:headEnd type="none" w="med" len="med"/>
+                      <a:tailEnd type="none" w="med" len="med"/>
+                    </a:lnB>
+                  </a:tcPr>
                 </a:tc>
                 <a:extLst>
                   <a:ext uri="{0D108BD9-81ED-4DB2-BD59-A6C34878D82A}">
@@ -3849,6 +4173,7 @@
                     <a:bodyPr/>
                     <a:lstStyle/>
                     <a:p>
+                      <a:pPr algn="ctr"/>
                       <a:r>
                         <a:rPr kumimoji="1" lang="ja-JP" altLang="en-US" sz="2000" b="0" dirty="0">
                           <a:solidFill>
@@ -3859,7 +4184,44 @@
                       </a:r>
                     </a:p>
                   </a:txBody>
-                  <a:tcPr/>
+                  <a:tcPr>
+                    <a:lnL w="12700" cap="flat" cmpd="sng" algn="ctr">
+                      <a:solidFill>
+                        <a:schemeClr val="tx1"/>
+                      </a:solidFill>
+                      <a:prstDash val="solid"/>
+                      <a:round/>
+                      <a:headEnd type="none" w="med" len="med"/>
+                      <a:tailEnd type="none" w="med" len="med"/>
+                    </a:lnL>
+                    <a:lnR w="12700" cap="flat" cmpd="sng" algn="ctr">
+                      <a:solidFill>
+                        <a:schemeClr val="tx1"/>
+                      </a:solidFill>
+                      <a:prstDash val="solid"/>
+                      <a:round/>
+                      <a:headEnd type="none" w="med" len="med"/>
+                      <a:tailEnd type="none" w="med" len="med"/>
+                    </a:lnR>
+                    <a:lnT w="12700" cap="flat" cmpd="sng" algn="ctr">
+                      <a:solidFill>
+                        <a:schemeClr val="tx1"/>
+                      </a:solidFill>
+                      <a:prstDash val="solid"/>
+                      <a:round/>
+                      <a:headEnd type="none" w="med" len="med"/>
+                      <a:tailEnd type="none" w="med" len="med"/>
+                    </a:lnT>
+                    <a:lnB w="12700" cap="flat" cmpd="sng" algn="ctr">
+                      <a:solidFill>
+                        <a:schemeClr val="tx1"/>
+                      </a:solidFill>
+                      <a:prstDash val="solid"/>
+                      <a:round/>
+                      <a:headEnd type="none" w="med" len="med"/>
+                      <a:tailEnd type="none" w="med" len="med"/>
+                    </a:lnB>
+                  </a:tcPr>
                 </a:tc>
                 <a:tc>
                   <a:txBody>
@@ -3876,7 +4238,44 @@
                       </a:r>
                     </a:p>
                   </a:txBody>
-                  <a:tcPr/>
+                  <a:tcPr>
+                    <a:lnL w="12700" cap="flat" cmpd="sng" algn="ctr">
+                      <a:solidFill>
+                        <a:schemeClr val="tx1"/>
+                      </a:solidFill>
+                      <a:prstDash val="solid"/>
+                      <a:round/>
+                      <a:headEnd type="none" w="med" len="med"/>
+                      <a:tailEnd type="none" w="med" len="med"/>
+                    </a:lnL>
+                    <a:lnR w="12700" cap="flat" cmpd="sng" algn="ctr">
+                      <a:solidFill>
+                        <a:schemeClr val="tx1"/>
+                      </a:solidFill>
+                      <a:prstDash val="solid"/>
+                      <a:round/>
+                      <a:headEnd type="none" w="med" len="med"/>
+                      <a:tailEnd type="none" w="med" len="med"/>
+                    </a:lnR>
+                    <a:lnT w="12700" cap="flat" cmpd="sng" algn="ctr">
+                      <a:solidFill>
+                        <a:schemeClr val="tx1"/>
+                      </a:solidFill>
+                      <a:prstDash val="solid"/>
+                      <a:round/>
+                      <a:headEnd type="none" w="med" len="med"/>
+                      <a:tailEnd type="none" w="med" len="med"/>
+                    </a:lnT>
+                    <a:lnB w="12700" cap="flat" cmpd="sng" algn="ctr">
+                      <a:solidFill>
+                        <a:schemeClr val="tx1"/>
+                      </a:solidFill>
+                      <a:prstDash val="solid"/>
+                      <a:round/>
+                      <a:headEnd type="none" w="med" len="med"/>
+                      <a:tailEnd type="none" w="med" len="med"/>
+                    </a:lnB>
+                  </a:tcPr>
                 </a:tc>
                 <a:tc>
                   <a:txBody>
@@ -3893,7 +4292,44 @@
                       </a:r>
                     </a:p>
                   </a:txBody>
-                  <a:tcPr/>
+                  <a:tcPr>
+                    <a:lnL w="12700" cap="flat" cmpd="sng" algn="ctr">
+                      <a:solidFill>
+                        <a:schemeClr val="tx1"/>
+                      </a:solidFill>
+                      <a:prstDash val="solid"/>
+                      <a:round/>
+                      <a:headEnd type="none" w="med" len="med"/>
+                      <a:tailEnd type="none" w="med" len="med"/>
+                    </a:lnL>
+                    <a:lnR w="12700" cap="flat" cmpd="sng" algn="ctr">
+                      <a:solidFill>
+                        <a:schemeClr val="tx1"/>
+                      </a:solidFill>
+                      <a:prstDash val="solid"/>
+                      <a:round/>
+                      <a:headEnd type="none" w="med" len="med"/>
+                      <a:tailEnd type="none" w="med" len="med"/>
+                    </a:lnR>
+                    <a:lnT w="12700" cap="flat" cmpd="sng" algn="ctr">
+                      <a:solidFill>
+                        <a:schemeClr val="tx1"/>
+                      </a:solidFill>
+                      <a:prstDash val="solid"/>
+                      <a:round/>
+                      <a:headEnd type="none" w="med" len="med"/>
+                      <a:tailEnd type="none" w="med" len="med"/>
+                    </a:lnT>
+                    <a:lnB w="12700" cap="flat" cmpd="sng" algn="ctr">
+                      <a:solidFill>
+                        <a:schemeClr val="tx1"/>
+                      </a:solidFill>
+                      <a:prstDash val="solid"/>
+                      <a:round/>
+                      <a:headEnd type="none" w="med" len="med"/>
+                      <a:tailEnd type="none" w="med" len="med"/>
+                    </a:lnB>
+                  </a:tcPr>
                 </a:tc>
                 <a:extLst>
                   <a:ext uri="{0D108BD9-81ED-4DB2-BD59-A6C34878D82A}">
@@ -3907,6 +4343,7 @@
                     <a:bodyPr/>
                     <a:lstStyle/>
                     <a:p>
+                      <a:pPr algn="ctr"/>
                       <a:r>
                         <a:rPr kumimoji="1" lang="ja-JP" altLang="en-US" sz="2000" b="0" dirty="0">
                           <a:solidFill>
@@ -3917,7 +4354,44 @@
                       </a:r>
                     </a:p>
                   </a:txBody>
-                  <a:tcPr/>
+                  <a:tcPr>
+                    <a:lnL w="12700" cap="flat" cmpd="sng" algn="ctr">
+                      <a:solidFill>
+                        <a:schemeClr val="tx1"/>
+                      </a:solidFill>
+                      <a:prstDash val="solid"/>
+                      <a:round/>
+                      <a:headEnd type="none" w="med" len="med"/>
+                      <a:tailEnd type="none" w="med" len="med"/>
+                    </a:lnL>
+                    <a:lnR w="12700" cap="flat" cmpd="sng" algn="ctr">
+                      <a:solidFill>
+                        <a:schemeClr val="tx1"/>
+                      </a:solidFill>
+                      <a:prstDash val="solid"/>
+                      <a:round/>
+                      <a:headEnd type="none" w="med" len="med"/>
+                      <a:tailEnd type="none" w="med" len="med"/>
+                    </a:lnR>
+                    <a:lnT w="12700" cap="flat" cmpd="sng" algn="ctr">
+                      <a:solidFill>
+                        <a:schemeClr val="tx1"/>
+                      </a:solidFill>
+                      <a:prstDash val="solid"/>
+                      <a:round/>
+                      <a:headEnd type="none" w="med" len="med"/>
+                      <a:tailEnd type="none" w="med" len="med"/>
+                    </a:lnT>
+                    <a:lnB w="12700" cap="flat" cmpd="sng" algn="ctr">
+                      <a:solidFill>
+                        <a:schemeClr val="tx1"/>
+                      </a:solidFill>
+                      <a:prstDash val="solid"/>
+                      <a:round/>
+                      <a:headEnd type="none" w="med" len="med"/>
+                      <a:tailEnd type="none" w="med" len="med"/>
+                    </a:lnB>
+                  </a:tcPr>
                 </a:tc>
                 <a:tc>
                   <a:txBody>
@@ -3934,7 +4408,44 @@
                       </a:r>
                     </a:p>
                   </a:txBody>
-                  <a:tcPr/>
+                  <a:tcPr>
+                    <a:lnL w="12700" cap="flat" cmpd="sng" algn="ctr">
+                      <a:solidFill>
+                        <a:schemeClr val="tx1"/>
+                      </a:solidFill>
+                      <a:prstDash val="solid"/>
+                      <a:round/>
+                      <a:headEnd type="none" w="med" len="med"/>
+                      <a:tailEnd type="none" w="med" len="med"/>
+                    </a:lnL>
+                    <a:lnR w="12700" cap="flat" cmpd="sng" algn="ctr">
+                      <a:solidFill>
+                        <a:schemeClr val="tx1"/>
+                      </a:solidFill>
+                      <a:prstDash val="solid"/>
+                      <a:round/>
+                      <a:headEnd type="none" w="med" len="med"/>
+                      <a:tailEnd type="none" w="med" len="med"/>
+                    </a:lnR>
+                    <a:lnT w="12700" cap="flat" cmpd="sng" algn="ctr">
+                      <a:solidFill>
+                        <a:schemeClr val="tx1"/>
+                      </a:solidFill>
+                      <a:prstDash val="solid"/>
+                      <a:round/>
+                      <a:headEnd type="none" w="med" len="med"/>
+                      <a:tailEnd type="none" w="med" len="med"/>
+                    </a:lnT>
+                    <a:lnB w="12700" cap="flat" cmpd="sng" algn="ctr">
+                      <a:solidFill>
+                        <a:schemeClr val="tx1"/>
+                      </a:solidFill>
+                      <a:prstDash val="solid"/>
+                      <a:round/>
+                      <a:headEnd type="none" w="med" len="med"/>
+                      <a:tailEnd type="none" w="med" len="med"/>
+                    </a:lnB>
+                  </a:tcPr>
                 </a:tc>
                 <a:tc>
                   <a:txBody>
@@ -3951,7 +4462,44 @@
                       </a:r>
                     </a:p>
                   </a:txBody>
-                  <a:tcPr/>
+                  <a:tcPr>
+                    <a:lnL w="12700" cap="flat" cmpd="sng" algn="ctr">
+                      <a:solidFill>
+                        <a:schemeClr val="tx1"/>
+                      </a:solidFill>
+                      <a:prstDash val="solid"/>
+                      <a:round/>
+                      <a:headEnd type="none" w="med" len="med"/>
+                      <a:tailEnd type="none" w="med" len="med"/>
+                    </a:lnL>
+                    <a:lnR w="12700" cap="flat" cmpd="sng" algn="ctr">
+                      <a:solidFill>
+                        <a:schemeClr val="tx1"/>
+                      </a:solidFill>
+                      <a:prstDash val="solid"/>
+                      <a:round/>
+                      <a:headEnd type="none" w="med" len="med"/>
+                      <a:tailEnd type="none" w="med" len="med"/>
+                    </a:lnR>
+                    <a:lnT w="12700" cap="flat" cmpd="sng" algn="ctr">
+                      <a:solidFill>
+                        <a:schemeClr val="tx1"/>
+                      </a:solidFill>
+                      <a:prstDash val="solid"/>
+                      <a:round/>
+                      <a:headEnd type="none" w="med" len="med"/>
+                      <a:tailEnd type="none" w="med" len="med"/>
+                    </a:lnT>
+                    <a:lnB w="12700" cap="flat" cmpd="sng" algn="ctr">
+                      <a:solidFill>
+                        <a:schemeClr val="tx1"/>
+                      </a:solidFill>
+                      <a:prstDash val="solid"/>
+                      <a:round/>
+                      <a:headEnd type="none" w="med" len="med"/>
+                      <a:tailEnd type="none" w="med" len="med"/>
+                    </a:lnB>
+                  </a:tcPr>
                 </a:tc>
                 <a:extLst>
                   <a:ext uri="{0D108BD9-81ED-4DB2-BD59-A6C34878D82A}">
